--- a/Utilisation ELK sur services adresses et DSI BSCC.pptx
+++ b/Utilisation ELK sur services adresses et DSI BSCC.pptx
@@ -105,6 +105,11 @@
       </a:defRPr>
     </a:lvl9pPr>
   </p:defaultTextStyle>
+  <p:extLst>
+    <p:ext uri="{EFAFB233-063F-42B5-8137-9DF3F51BA10A}">
+      <p15:sldGuideLst xmlns:p15="http://schemas.microsoft.com/office/powerpoint/2012/main"/>
+    </p:ext>
+  </p:extLst>
 </p:presentation>
 </file>
 
@@ -239,7 +244,7 @@
           <a:p>
             <a:fld id="{B683BD32-177F-4D36-A2D7-6303958147A3}" type="datetimeFigureOut">
               <a:rPr lang="fr-FR" smtClean="0"/>
-              <a:t>16/11/2022</a:t>
+              <a:t>18/11/2022</a:t>
             </a:fld>
             <a:endParaRPr lang="fr-FR"/>
           </a:p>
@@ -409,7 +414,7 @@
           <a:p>
             <a:fld id="{B683BD32-177F-4D36-A2D7-6303958147A3}" type="datetimeFigureOut">
               <a:rPr lang="fr-FR" smtClean="0"/>
-              <a:t>16/11/2022</a:t>
+              <a:t>18/11/2022</a:t>
             </a:fld>
             <a:endParaRPr lang="fr-FR"/>
           </a:p>
@@ -589,7 +594,7 @@
           <a:p>
             <a:fld id="{B683BD32-177F-4D36-A2D7-6303958147A3}" type="datetimeFigureOut">
               <a:rPr lang="fr-FR" smtClean="0"/>
-              <a:t>16/11/2022</a:t>
+              <a:t>18/11/2022</a:t>
             </a:fld>
             <a:endParaRPr lang="fr-FR"/>
           </a:p>
@@ -759,7 +764,7 @@
           <a:p>
             <a:fld id="{B683BD32-177F-4D36-A2D7-6303958147A3}" type="datetimeFigureOut">
               <a:rPr lang="fr-FR" smtClean="0"/>
-              <a:t>16/11/2022</a:t>
+              <a:t>18/11/2022</a:t>
             </a:fld>
             <a:endParaRPr lang="fr-FR"/>
           </a:p>
@@ -1005,7 +1010,7 @@
           <a:p>
             <a:fld id="{B683BD32-177F-4D36-A2D7-6303958147A3}" type="datetimeFigureOut">
               <a:rPr lang="fr-FR" smtClean="0"/>
-              <a:t>16/11/2022</a:t>
+              <a:t>18/11/2022</a:t>
             </a:fld>
             <a:endParaRPr lang="fr-FR"/>
           </a:p>
@@ -1237,7 +1242,7 @@
           <a:p>
             <a:fld id="{B683BD32-177F-4D36-A2D7-6303958147A3}" type="datetimeFigureOut">
               <a:rPr lang="fr-FR" smtClean="0"/>
-              <a:t>16/11/2022</a:t>
+              <a:t>18/11/2022</a:t>
             </a:fld>
             <a:endParaRPr lang="fr-FR"/>
           </a:p>
@@ -1604,7 +1609,7 @@
           <a:p>
             <a:fld id="{B683BD32-177F-4D36-A2D7-6303958147A3}" type="datetimeFigureOut">
               <a:rPr lang="fr-FR" smtClean="0"/>
-              <a:t>16/11/2022</a:t>
+              <a:t>18/11/2022</a:t>
             </a:fld>
             <a:endParaRPr lang="fr-FR"/>
           </a:p>
@@ -1722,7 +1727,7 @@
           <a:p>
             <a:fld id="{B683BD32-177F-4D36-A2D7-6303958147A3}" type="datetimeFigureOut">
               <a:rPr lang="fr-FR" smtClean="0"/>
-              <a:t>16/11/2022</a:t>
+              <a:t>18/11/2022</a:t>
             </a:fld>
             <a:endParaRPr lang="fr-FR"/>
           </a:p>
@@ -1817,7 +1822,7 @@
           <a:p>
             <a:fld id="{B683BD32-177F-4D36-A2D7-6303958147A3}" type="datetimeFigureOut">
               <a:rPr lang="fr-FR" smtClean="0"/>
-              <a:t>16/11/2022</a:t>
+              <a:t>18/11/2022</a:t>
             </a:fld>
             <a:endParaRPr lang="fr-FR"/>
           </a:p>
@@ -2094,7 +2099,7 @@
           <a:p>
             <a:fld id="{B683BD32-177F-4D36-A2D7-6303958147A3}" type="datetimeFigureOut">
               <a:rPr lang="fr-FR" smtClean="0"/>
-              <a:t>16/11/2022</a:t>
+              <a:t>18/11/2022</a:t>
             </a:fld>
             <a:endParaRPr lang="fr-FR"/>
           </a:p>
@@ -2347,7 +2352,7 @@
           <a:p>
             <a:fld id="{B683BD32-177F-4D36-A2D7-6303958147A3}" type="datetimeFigureOut">
               <a:rPr lang="fr-FR" smtClean="0"/>
-              <a:t>16/11/2022</a:t>
+              <a:t>18/11/2022</a:t>
             </a:fld>
             <a:endParaRPr lang="fr-FR"/>
           </a:p>
@@ -2560,7 +2565,7 @@
           <a:p>
             <a:fld id="{B683BD32-177F-4D36-A2D7-6303958147A3}" type="datetimeFigureOut">
               <a:rPr lang="fr-FR" smtClean="0"/>
-              <a:t>16/11/2022</a:t>
+              <a:t>18/11/2022</a:t>
             </a:fld>
             <a:endParaRPr lang="fr-FR"/>
           </a:p>
@@ -3385,8 +3390,8 @@
         </p:nvSpPr>
         <p:spPr>
           <a:xfrm>
-            <a:off x="10111698" y="1356082"/>
-            <a:ext cx="1877101" cy="1200329"/>
+            <a:off x="9561690" y="1356082"/>
+            <a:ext cx="2427109" cy="1200329"/>
           </a:xfrm>
           <a:prstGeom prst="rect">
             <a:avLst/>
@@ -3426,12 +3431,8 @@
               <a:t>Analyse des logs pour identifier </a:t>
             </a:r>
             <a:r>
-              <a:rPr lang="fr-FR" dirty="0" err="1" smtClean="0"/>
-              <a:t>problemes</a:t>
-            </a:r>
-            <a:r>
               <a:rPr lang="fr-FR" dirty="0" smtClean="0"/>
-              <a:t> </a:t>
+              <a:t>problèmes </a:t>
             </a:r>
             <a:r>
               <a:rPr lang="fr-FR" dirty="0" err="1" smtClean="0"/>
@@ -3450,7 +3451,7 @@
         <p:spPr>
           <a:xfrm>
             <a:off x="3754844" y="3058918"/>
-            <a:ext cx="2469103" cy="1200329"/>
+            <a:ext cx="3368445" cy="923330"/>
           </a:xfrm>
           <a:prstGeom prst="rect">
             <a:avLst/>
@@ -3472,18 +3473,31 @@
           <a:p>
             <a:r>
               <a:rPr lang="fr-FR" dirty="0" smtClean="0"/>
-              <a:t>Moteur d’indexation des adresses pour api d’</a:t>
+              <a:t>Moteur d’indexation des adresses pour api </a:t>
+            </a:r>
+            <a:r>
+              <a:rPr lang="fr-FR" dirty="0" smtClean="0"/>
+              <a:t>d’</a:t>
             </a:r>
             <a:r>
               <a:rPr lang="fr-FR" dirty="0" err="1" smtClean="0"/>
               <a:t>autocompletion</a:t>
             </a:r>
-            <a:endParaRPr lang="fr-FR" dirty="0" smtClean="0"/>
-          </a:p>
-          <a:p>
             <a:r>
               <a:rPr lang="fr-FR" dirty="0" smtClean="0"/>
-              <a:t>(elasticsearch)</a:t>
+              <a:t> (_</a:t>
+            </a:r>
+            <a:r>
+              <a:rPr lang="fr-FR" dirty="0" err="1" smtClean="0"/>
+              <a:t>search</a:t>
+            </a:r>
+            <a:r>
+              <a:rPr lang="fr-FR" dirty="0" smtClean="0"/>
+              <a:t> elasticsearch</a:t>
+            </a:r>
+            <a:r>
+              <a:rPr lang="fr-FR" dirty="0" smtClean="0"/>
+              <a:t>)</a:t>
             </a:r>
             <a:endParaRPr lang="fr-FR" dirty="0"/>
           </a:p>
@@ -3577,8 +3591,8 @@
         </p:nvSpPr>
         <p:spPr>
           <a:xfrm>
-            <a:off x="10035844" y="4746384"/>
-            <a:ext cx="1952955" cy="1200329"/>
+            <a:off x="9561690" y="4746384"/>
+            <a:ext cx="2427110" cy="1200329"/>
           </a:xfrm>
           <a:prstGeom prst="rect">
             <a:avLst/>
@@ -3607,7 +3621,11 @@
             </a:r>
             <a:r>
               <a:rPr lang="fr-FR" dirty="0" smtClean="0"/>
-              <a:t> pour facturation</a:t>
+              <a:t> pour </a:t>
+            </a:r>
+            <a:r>
+              <a:rPr lang="fr-FR" dirty="0" smtClean="0"/>
+              <a:t>facturation/suivi client</a:t>
             </a:r>
             <a:endParaRPr lang="fr-FR" dirty="0"/>
           </a:p>
@@ -3697,7 +3715,7 @@
         <p:spPr>
           <a:xfrm flipH="1" flipV="1">
             <a:off x="5921639" y="1725182"/>
-            <a:ext cx="4190059" cy="231065"/>
+            <a:ext cx="3640051" cy="231065"/>
           </a:xfrm>
           <a:prstGeom prst="straightConnector1">
             <a:avLst/>
@@ -3767,9 +3785,9 @@
           <p:nvPr/>
         </p:nvCxnSpPr>
         <p:spPr>
-          <a:xfrm>
-            <a:off x="2088323" y="3624238"/>
-            <a:ext cx="1666521" cy="34845"/>
+          <a:xfrm flipV="1">
+            <a:off x="2088323" y="3520583"/>
+            <a:ext cx="1666521" cy="103655"/>
           </a:xfrm>
           <a:prstGeom prst="straightConnector1">
             <a:avLst/>
@@ -3877,7 +3895,7 @@
         <p:spPr>
           <a:xfrm flipH="1">
             <a:off x="8471596" y="5346549"/>
-            <a:ext cx="1564248" cy="0"/>
+            <a:ext cx="1090094" cy="0"/>
           </a:xfrm>
           <a:prstGeom prst="straightConnector1">
             <a:avLst/>
@@ -3960,9 +3978,12 @@
           <a:p>
             <a:r>
               <a:rPr lang="fr-FR" b="1" dirty="0" smtClean="0"/>
-              <a:t>Analyse des logs</a:t>
-            </a:r>
-            <a:endParaRPr lang="fr-FR" dirty="0"/>
+              <a:t>Analyse des </a:t>
+            </a:r>
+            <a:r>
+              <a:rPr lang="fr-FR" b="1" dirty="0" smtClean="0"/>
+              <a:t>logs</a:t>
+            </a:r>
           </a:p>
         </p:txBody>
       </p:sp>
@@ -4124,6 +4145,36 @@
               <a:t>3</a:t>
             </a:r>
             <a:endParaRPr lang="fr-FR" sz="3600" dirty="0"/>
+          </a:p>
+        </p:txBody>
+      </p:sp>
+      <p:sp>
+        <p:nvSpPr>
+          <p:cNvPr id="30" name="ZoneTexte 29"/>
+          <p:cNvSpPr txBox="1"/>
+          <p:nvPr/>
+        </p:nvSpPr>
+        <p:spPr>
+          <a:xfrm>
+            <a:off x="2731332" y="2190842"/>
+            <a:ext cx="1091004" cy="307777"/>
+          </a:xfrm>
+          <a:prstGeom prst="rect">
+            <a:avLst/>
+          </a:prstGeom>
+          <a:noFill/>
+        </p:spPr>
+        <p:txBody>
+          <a:bodyPr wrap="square" rtlCol="0">
+            <a:spAutoFit/>
+          </a:bodyPr>
+          <a:lstStyle/>
+          <a:p>
+            <a:r>
+              <a:rPr lang="fr-FR" sz="1400" dirty="0" smtClean="0"/>
+              <a:t>Logs (json)</a:t>
+            </a:r>
+            <a:endParaRPr lang="fr-FR" sz="1400" dirty="0"/>
           </a:p>
         </p:txBody>
       </p:sp>
